--- a/microsoft-365/downloads/empower-remote-workers.pptx
+++ b/microsoft-365/downloads/empower-remote-workers.pptx
@@ -215,7 +215,7 @@
           <a:p>
             <a:fld id="{F6718B09-A5BF-4500-B7D0-AD2FFA08E103}" type="datetimeFigureOut">
               <a:rPr lang="en-US" smtClean="0"/>
-              <a:t>7/14/2020</a:t>
+              <a:t>7/27/2020</a:t>
             </a:fld>
             <a:endParaRPr lang="en-US" dirty="0"/>
           </a:p>
@@ -795,7 +795,7 @@
           <a:p>
             <a:fld id="{B12B58C5-0F7F-4864-91DB-0DCB63F031BB}" type="datetimeFigureOut">
               <a:rPr lang="en-US" smtClean="0"/>
-              <a:t>7/14/2020</a:t>
+              <a:t>7/27/2020</a:t>
             </a:fld>
             <a:endParaRPr lang="en-US" dirty="0"/>
           </a:p>
@@ -963,7 +963,7 @@
           <a:p>
             <a:fld id="{B12B58C5-0F7F-4864-91DB-0DCB63F031BB}" type="datetimeFigureOut">
               <a:rPr lang="en-US" smtClean="0"/>
-              <a:t>7/14/2020</a:t>
+              <a:t>7/27/2020</a:t>
             </a:fld>
             <a:endParaRPr lang="en-US" dirty="0"/>
           </a:p>
@@ -1141,7 +1141,7 @@
           <a:p>
             <a:fld id="{B12B58C5-0F7F-4864-91DB-0DCB63F031BB}" type="datetimeFigureOut">
               <a:rPr lang="en-US" smtClean="0"/>
-              <a:t>7/14/2020</a:t>
+              <a:t>7/27/2020</a:t>
             </a:fld>
             <a:endParaRPr lang="en-US" dirty="0"/>
           </a:p>
@@ -1309,7 +1309,7 @@
           <a:p>
             <a:fld id="{B12B58C5-0F7F-4864-91DB-0DCB63F031BB}" type="datetimeFigureOut">
               <a:rPr lang="en-US" smtClean="0"/>
-              <a:t>7/14/2020</a:t>
+              <a:t>7/27/2020</a:t>
             </a:fld>
             <a:endParaRPr lang="en-US" dirty="0"/>
           </a:p>
@@ -1552,7 +1552,7 @@
           <a:p>
             <a:fld id="{B12B58C5-0F7F-4864-91DB-0DCB63F031BB}" type="datetimeFigureOut">
               <a:rPr lang="en-US" smtClean="0"/>
-              <a:t>7/14/2020</a:t>
+              <a:t>7/27/2020</a:t>
             </a:fld>
             <a:endParaRPr lang="en-US" dirty="0"/>
           </a:p>
@@ -1781,7 +1781,7 @@
           <a:p>
             <a:fld id="{B12B58C5-0F7F-4864-91DB-0DCB63F031BB}" type="datetimeFigureOut">
               <a:rPr lang="en-US" smtClean="0"/>
-              <a:t>7/14/2020</a:t>
+              <a:t>7/27/2020</a:t>
             </a:fld>
             <a:endParaRPr lang="en-US" dirty="0"/>
           </a:p>
@@ -2145,7 +2145,7 @@
           <a:p>
             <a:fld id="{B12B58C5-0F7F-4864-91DB-0DCB63F031BB}" type="datetimeFigureOut">
               <a:rPr lang="en-US" smtClean="0"/>
-              <a:t>7/14/2020</a:t>
+              <a:t>7/27/2020</a:t>
             </a:fld>
             <a:endParaRPr lang="en-US" dirty="0"/>
           </a:p>
@@ -2262,7 +2262,7 @@
           <a:p>
             <a:fld id="{B12B58C5-0F7F-4864-91DB-0DCB63F031BB}" type="datetimeFigureOut">
               <a:rPr lang="en-US" smtClean="0"/>
-              <a:t>7/14/2020</a:t>
+              <a:t>7/27/2020</a:t>
             </a:fld>
             <a:endParaRPr lang="en-US" dirty="0"/>
           </a:p>
@@ -2357,7 +2357,7 @@
           <a:p>
             <a:fld id="{B12B58C5-0F7F-4864-91DB-0DCB63F031BB}" type="datetimeFigureOut">
               <a:rPr lang="en-US" smtClean="0"/>
-              <a:t>7/14/2020</a:t>
+              <a:t>7/27/2020</a:t>
             </a:fld>
             <a:endParaRPr lang="en-US" dirty="0"/>
           </a:p>
@@ -2632,7 +2632,7 @@
           <a:p>
             <a:fld id="{B12B58C5-0F7F-4864-91DB-0DCB63F031BB}" type="datetimeFigureOut">
               <a:rPr lang="en-US" smtClean="0"/>
-              <a:t>7/14/2020</a:t>
+              <a:t>7/27/2020</a:t>
             </a:fld>
             <a:endParaRPr lang="en-US" dirty="0"/>
           </a:p>
@@ -2887,7 +2887,7 @@
           <a:p>
             <a:fld id="{B12B58C5-0F7F-4864-91DB-0DCB63F031BB}" type="datetimeFigureOut">
               <a:rPr lang="en-US" smtClean="0"/>
-              <a:t>7/14/2020</a:t>
+              <a:t>7/27/2020</a:t>
             </a:fld>
             <a:endParaRPr lang="en-US" dirty="0"/>
           </a:p>
@@ -3098,7 +3098,7 @@
           <a:p>
             <a:fld id="{B12B58C5-0F7F-4864-91DB-0DCB63F031BB}" type="datetimeFigureOut">
               <a:rPr lang="en-US" smtClean="0"/>
-              <a:t>7/14/2020</a:t>
+              <a:t>7/27/2020</a:t>
             </a:fld>
             <a:endParaRPr lang="en-US" dirty="0"/>
           </a:p>
@@ -3886,22 +3886,13 @@
           <a:p>
             <a:pPr algn="r"/>
             <a:r>
-              <a:rPr lang="en-US" sz="1000" b="0" i="0" u="none" strike="noStrike" baseline="0">
+              <a:rPr lang="en-US" sz="1000" b="0" i="0" u="none" strike="noStrike" baseline="0" dirty="0">
                 <a:solidFill>
                   <a:srgbClr val="7F7F7F"/>
                 </a:solidFill>
                 <a:latin typeface="Segoe UI" panose="020B0502040204020203" pitchFamily="34" charset="0"/>
               </a:rPr>
-              <a:t>July 2020   © </a:t>
-            </a:r>
-            <a:r>
-              <a:rPr lang="en-US" sz="1000" b="0" i="0" u="none" strike="noStrike" baseline="0" dirty="0">
-                <a:solidFill>
-                  <a:srgbClr val="7F7F7F"/>
-                </a:solidFill>
-                <a:latin typeface="Segoe UI" panose="020B0502040204020203" pitchFamily="34" charset="0"/>
-              </a:rPr>
-              <a:t>2020 Microsoft Corporation. All rights reserved.</a:t>
+              <a:t>July 2020   © 2020 Microsoft Corporation. All rights reserved.</a:t>
             </a:r>
             <a:endParaRPr lang="en-US" sz="1000" dirty="0"/>
           </a:p>
@@ -4021,7 +4012,7 @@
         </p:blipFill>
         <p:spPr>
           <a:xfrm>
-            <a:off x="259642" y="8903852"/>
+            <a:off x="259642" y="8823170"/>
             <a:ext cx="1488889" cy="1104120"/>
           </a:xfrm>
           <a:prstGeom prst="rect">
@@ -4045,7 +4036,7 @@
         </p:nvSpPr>
         <p:spPr bwMode="auto">
           <a:xfrm>
-            <a:off x="552844" y="9302024"/>
+            <a:off x="552844" y="9221342"/>
             <a:ext cx="891128" cy="307777"/>
           </a:xfrm>
           <a:prstGeom prst="rect">
@@ -4244,7 +4235,7 @@
         </p:blipFill>
         <p:spPr>
           <a:xfrm>
-            <a:off x="387559" y="10620474"/>
+            <a:off x="387559" y="10539792"/>
             <a:ext cx="1233055" cy="457200"/>
           </a:xfrm>
           <a:prstGeom prst="rect">
@@ -4268,7 +4259,7 @@
         </p:nvSpPr>
         <p:spPr bwMode="auto">
           <a:xfrm>
-            <a:off x="552844" y="10695186"/>
+            <a:off x="552844" y="10614504"/>
             <a:ext cx="902485" cy="307777"/>
           </a:xfrm>
           <a:prstGeom prst="rect">
@@ -4459,7 +4450,7 @@
         </p:nvGrpSpPr>
         <p:grpSpPr>
           <a:xfrm>
-            <a:off x="7371914" y="9219303"/>
+            <a:off x="7371914" y="9138621"/>
             <a:ext cx="1488889" cy="457200"/>
             <a:chOff x="5117791" y="10620474"/>
             <a:chExt cx="1488889" cy="457200"/>
@@ -4703,7 +4694,7 @@
         </p:nvGrpSpPr>
         <p:grpSpPr>
           <a:xfrm>
-            <a:off x="4974313" y="10635709"/>
+            <a:off x="4974313" y="10555027"/>
             <a:ext cx="1488889" cy="457200"/>
             <a:chOff x="7369313" y="9227312"/>
             <a:chExt cx="1488889" cy="457200"/>
@@ -4955,7 +4946,7 @@
         </p:blipFill>
         <p:spPr>
           <a:xfrm>
-            <a:off x="4989874" y="8903852"/>
+            <a:off x="4989874" y="8823170"/>
             <a:ext cx="1488889" cy="1104120"/>
           </a:xfrm>
           <a:prstGeom prst="rect">
@@ -4979,7 +4970,7 @@
         </p:nvSpPr>
         <p:spPr bwMode="auto">
           <a:xfrm>
-            <a:off x="5294482" y="9223553"/>
+            <a:off x="5294482" y="9142871"/>
             <a:ext cx="891128" cy="461665"/>
           </a:xfrm>
           <a:prstGeom prst="rect">
@@ -5170,7 +5161,7 @@
         </p:nvSpPr>
         <p:spPr>
           <a:xfrm>
-            <a:off x="1000756" y="10144308"/>
+            <a:off x="1000756" y="10063626"/>
             <a:ext cx="482247" cy="338554"/>
           </a:xfrm>
           <a:prstGeom prst="rect">
@@ -5209,7 +5200,7 @@
         </p:nvSpPr>
         <p:spPr>
           <a:xfrm>
-            <a:off x="1962588" y="9173746"/>
+            <a:off x="1962588" y="9093064"/>
             <a:ext cx="463588" cy="338554"/>
           </a:xfrm>
           <a:prstGeom prst="rect">
@@ -5248,7 +5239,7 @@
         </p:nvSpPr>
         <p:spPr>
           <a:xfrm>
-            <a:off x="5726262" y="10111653"/>
+            <a:off x="5726262" y="10030971"/>
             <a:ext cx="482248" cy="338554"/>
           </a:xfrm>
           <a:prstGeom prst="rect">
@@ -5291,7 +5282,7 @@
         </p:nvCxnSpPr>
         <p:spPr>
           <a:xfrm>
-            <a:off x="1004087" y="10007972"/>
+            <a:off x="1004087" y="9927290"/>
             <a:ext cx="0" cy="612502"/>
           </a:xfrm>
           <a:prstGeom prst="straightConnector1">
@@ -5335,7 +5326,7 @@
         </p:nvCxnSpPr>
         <p:spPr>
           <a:xfrm flipV="1">
-            <a:off x="1718864" y="9455912"/>
+            <a:off x="1718864" y="9375230"/>
             <a:ext cx="891128" cy="1526"/>
           </a:xfrm>
           <a:prstGeom prst="straightConnector1">
@@ -5379,7 +5370,7 @@
         </p:nvCxnSpPr>
         <p:spPr>
           <a:xfrm>
-            <a:off x="5734318" y="10007972"/>
+            <a:off x="5734318" y="9927290"/>
             <a:ext cx="0" cy="612502"/>
           </a:xfrm>
           <a:prstGeom prst="straightConnector1">
@@ -5421,7 +5412,7 @@
         </p:nvSpPr>
         <p:spPr>
           <a:xfrm>
-            <a:off x="6692245" y="9172220"/>
+            <a:off x="6692245" y="9091538"/>
             <a:ext cx="463589" cy="338554"/>
           </a:xfrm>
           <a:prstGeom prst="rect">
@@ -5462,7 +5453,7 @@
         </p:nvCxnSpPr>
         <p:spPr>
           <a:xfrm flipV="1">
-            <a:off x="6478762" y="9454386"/>
+            <a:off x="6478762" y="9373704"/>
             <a:ext cx="891128" cy="1526"/>
           </a:xfrm>
           <a:prstGeom prst="straightConnector1">
@@ -11525,7 +11516,7 @@
         </p:nvSpPr>
         <p:spPr>
           <a:xfrm>
-            <a:off x="266720" y="11306544"/>
+            <a:off x="266720" y="11131511"/>
             <a:ext cx="6112529" cy="369332"/>
           </a:xfrm>
           <a:prstGeom prst="rect">
@@ -11578,7 +11569,7 @@
         </p:blipFill>
         <p:spPr>
           <a:xfrm>
-            <a:off x="2737908" y="10628992"/>
+            <a:off x="2737908" y="10548310"/>
             <a:ext cx="1233055" cy="457200"/>
           </a:xfrm>
           <a:prstGeom prst="rect">
@@ -11602,7 +11593,7 @@
         </p:nvSpPr>
         <p:spPr bwMode="auto">
           <a:xfrm>
-            <a:off x="2916200" y="10703704"/>
+            <a:off x="2916200" y="10623022"/>
             <a:ext cx="876009" cy="307777"/>
           </a:xfrm>
           <a:prstGeom prst="rect">
@@ -11801,7 +11792,7 @@
         </p:blipFill>
         <p:spPr>
           <a:xfrm>
-            <a:off x="2609991" y="8912370"/>
+            <a:off x="2609991" y="8831688"/>
             <a:ext cx="1488889" cy="1104120"/>
           </a:xfrm>
           <a:prstGeom prst="rect">
@@ -11825,7 +11816,7 @@
         </p:nvSpPr>
         <p:spPr bwMode="auto">
           <a:xfrm>
-            <a:off x="2942893" y="9161997"/>
+            <a:off x="2942893" y="9081315"/>
             <a:ext cx="849315" cy="615553"/>
           </a:xfrm>
           <a:prstGeom prst="rect">
@@ -12026,7 +12017,7 @@
         </p:nvSpPr>
         <p:spPr>
           <a:xfrm>
-            <a:off x="3346379" y="10120171"/>
+            <a:off x="3346379" y="10039489"/>
             <a:ext cx="482248" cy="338554"/>
           </a:xfrm>
           <a:prstGeom prst="rect">
@@ -12067,7 +12058,7 @@
         </p:nvCxnSpPr>
         <p:spPr>
           <a:xfrm>
-            <a:off x="3354435" y="10016490"/>
+            <a:off x="3354435" y="9935808"/>
             <a:ext cx="0" cy="612502"/>
           </a:xfrm>
           <a:prstGeom prst="straightConnector1">
@@ -12109,7 +12100,7 @@
         </p:nvSpPr>
         <p:spPr>
           <a:xfrm>
-            <a:off x="4305328" y="9180738"/>
+            <a:off x="4305328" y="9100056"/>
             <a:ext cx="463589" cy="338554"/>
           </a:xfrm>
           <a:prstGeom prst="rect">
@@ -12150,7 +12141,7 @@
         </p:nvCxnSpPr>
         <p:spPr>
           <a:xfrm flipV="1">
-            <a:off x="4091845" y="9462904"/>
+            <a:off x="4091845" y="9382222"/>
             <a:ext cx="891128" cy="1526"/>
           </a:xfrm>
           <a:prstGeom prst="straightConnector1">
@@ -12192,7 +12183,7 @@
         </p:nvSpPr>
         <p:spPr>
           <a:xfrm>
-            <a:off x="6717894" y="10443653"/>
+            <a:off x="6717894" y="10362971"/>
             <a:ext cx="2831385" cy="708924"/>
           </a:xfrm>
           <a:prstGeom prst="rect">
@@ -12264,7 +12255,7 @@
         </p:nvSpPr>
         <p:spPr>
           <a:xfrm>
-            <a:off x="6717894" y="10097374"/>
+            <a:off x="6717894" y="10016692"/>
             <a:ext cx="2831385" cy="346277"/>
           </a:xfrm>
           <a:prstGeom prst="rect">
@@ -12328,7 +12319,7 @@
         </p:nvSpPr>
         <p:spPr>
           <a:xfrm>
-            <a:off x="333909" y="8513555"/>
+            <a:off x="333909" y="8432873"/>
             <a:ext cx="8240002" cy="307777"/>
           </a:xfrm>
           <a:prstGeom prst="rect">
@@ -12366,8 +12357,8 @@
         </p:nvSpPr>
         <p:spPr>
           <a:xfrm>
-            <a:off x="394029" y="11769673"/>
-            <a:ext cx="9276064" cy="3027775"/>
+            <a:off x="394029" y="11594640"/>
+            <a:ext cx="9276064" cy="3298902"/>
           </a:xfrm>
           <a:prstGeom prst="rect">
             <a:avLst/>
@@ -12418,7 +12409,7 @@
         </p:nvSpPr>
         <p:spPr>
           <a:xfrm>
-            <a:off x="492819" y="11840058"/>
+            <a:off x="492819" y="11665025"/>
             <a:ext cx="2101811" cy="1246096"/>
           </a:xfrm>
           <a:prstGeom prst="rect">
@@ -12479,7 +12470,7 @@
         </p:nvSpPr>
         <p:spPr>
           <a:xfrm>
-            <a:off x="2643579" y="11840057"/>
+            <a:off x="2643579" y="11665024"/>
             <a:ext cx="6922002" cy="1246096"/>
           </a:xfrm>
           <a:prstGeom prst="rect">
@@ -12653,8 +12644,8 @@
         </p:nvSpPr>
         <p:spPr>
           <a:xfrm>
-            <a:off x="492819" y="13240153"/>
-            <a:ext cx="2101811" cy="1487931"/>
+            <a:off x="492819" y="12952814"/>
+            <a:ext cx="2101811" cy="1893608"/>
           </a:xfrm>
           <a:prstGeom prst="rect">
             <a:avLst/>
@@ -12714,8 +12705,8 @@
         </p:nvSpPr>
         <p:spPr>
           <a:xfrm>
-            <a:off x="2643579" y="13240152"/>
-            <a:ext cx="6922002" cy="1487931"/>
+            <a:off x="2643579" y="12952813"/>
+            <a:ext cx="6922002" cy="1893608"/>
           </a:xfrm>
           <a:prstGeom prst="rect">
             <a:avLst/>
@@ -12852,14 +12843,56 @@
               <a:buChar char="•"/>
             </a:pPr>
             <a:r>
-              <a:rPr lang="en-US" sz="1000" b="0" i="0" dirty="0">
+              <a:rPr lang="en-US" sz="1000">
+                <a:solidFill>
+                  <a:srgbClr val="171717"/>
+                </a:solidFill>
+                <a:latin typeface="Segoe UI" panose="020B0502040204020203" pitchFamily="34" charset="0"/>
+              </a:rPr>
+              <a:t>Communication Compliance to prevent inappropriate messages and Insider Risk Management to address malicious and inadvertent risks</a:t>
+            </a:r>
+            <a:endParaRPr lang="en-US" sz="1000" b="0" i="0">
+              <a:solidFill>
+                <a:srgbClr val="171717"/>
+              </a:solidFill>
+              <a:effectLst/>
+              <a:latin typeface="Segoe UI" panose="020B0502040204020203" pitchFamily="34" charset="0"/>
+            </a:endParaRPr>
+          </a:p>
+          <a:p>
+            <a:pPr marL="171450" indent="-171450">
+              <a:buFont typeface="Arial" panose="020B0604020202020204" pitchFamily="34" charset="0"/>
+              <a:buChar char="•"/>
+            </a:pPr>
+            <a:r>
+              <a:rPr lang="en-US" sz="1000" b="0" i="0">
                 <a:solidFill>
                   <a:srgbClr val="171717"/>
                 </a:solidFill>
                 <a:effectLst/>
                 <a:latin typeface="Segoe UI" panose="020B0502040204020203" pitchFamily="34" charset="0"/>
               </a:rPr>
-              <a:t>Compliance Manager and Compliance Score (preview) to manage and improve your subscription’s compliance configuration</a:t>
+              <a:t>Compliance </a:t>
+            </a:r>
+            <a:r>
+              <a:rPr lang="en-US" sz="1000" b="0" i="0" dirty="0">
+                <a:solidFill>
+                  <a:srgbClr val="171717"/>
+                </a:solidFill>
+                <a:effectLst/>
+                <a:latin typeface="Segoe UI" panose="020B0502040204020203" pitchFamily="34" charset="0"/>
+              </a:rPr>
+              <a:t>Manager and Compliance Score (preview) to manage and improve your subscription’s </a:t>
+            </a:r>
+            <a:r>
+              <a:rPr lang="en-US" sz="1000" b="0" i="0">
+                <a:solidFill>
+                  <a:srgbClr val="171717"/>
+                </a:solidFill>
+                <a:effectLst/>
+                <a:latin typeface="Segoe UI" panose="020B0502040204020203" pitchFamily="34" charset="0"/>
+              </a:rPr>
+              <a:t>compliance configuration</a:t>
             </a:r>
           </a:p>
           <a:p>
@@ -12959,7 +12992,7 @@
         </p:blipFill>
         <p:spPr>
           <a:xfrm>
-            <a:off x="2727874" y="12731935"/>
+            <a:off x="2727874" y="12546963"/>
             <a:ext cx="293526" cy="293526"/>
           </a:xfrm>
           <a:prstGeom prst="rect">
@@ -12998,7 +13031,7 @@
         </p:blipFill>
         <p:spPr>
           <a:xfrm>
-            <a:off x="2727874" y="14371408"/>
+            <a:off x="2727874" y="14472833"/>
             <a:ext cx="293526" cy="293526"/>
           </a:xfrm>
           <a:prstGeom prst="rect">
@@ -13021,7 +13054,7 @@
         </p:nvSpPr>
         <p:spPr>
           <a:xfrm>
-            <a:off x="3021399" y="12740199"/>
+            <a:off x="3021399" y="12555227"/>
             <a:ext cx="5872781" cy="276999"/>
           </a:xfrm>
           <a:prstGeom prst="rect">
@@ -13064,7 +13097,7 @@
         </p:nvSpPr>
         <p:spPr>
           <a:xfrm>
-            <a:off x="3021399" y="14379672"/>
+            <a:off x="3021399" y="14481097"/>
             <a:ext cx="5872781" cy="276999"/>
           </a:xfrm>
           <a:prstGeom prst="rect">
@@ -14126,24 +14159,14 @@
               <a:buChar char="•"/>
             </a:pPr>
             <a:r>
-              <a:rPr lang="en-US" sz="1400">
+              <a:rPr lang="en-US" sz="1400" dirty="0">
                 <a:solidFill>
                   <a:srgbClr val="171717"/>
                 </a:solidFill>
                 <a:latin typeface="Segoe UI" panose="020B0502040204020203" pitchFamily="34" charset="0"/>
                 <a:cs typeface="Times New Roman" panose="02020603050405020304" pitchFamily="18" charset="0"/>
               </a:rPr>
-              <a:t>Send and receive </a:t>
-            </a:r>
-            <a:r>
-              <a:rPr lang="en-US" sz="1400" dirty="0">
-                <a:solidFill>
-                  <a:srgbClr val="171717"/>
-                </a:solidFill>
-                <a:latin typeface="Segoe UI" panose="020B0502040204020203" pitchFamily="34" charset="0"/>
-                <a:cs typeface="Times New Roman" panose="02020603050405020304" pitchFamily="18" charset="0"/>
-              </a:rPr>
-              <a:t>email</a:t>
+              <a:t>Send and receive email</a:t>
             </a:r>
           </a:p>
           <a:p>
@@ -16292,22 +16315,13 @@
           <a:p>
             <a:pPr algn="r"/>
             <a:r>
-              <a:rPr lang="en-US" sz="1000" b="0" i="0" u="none" strike="noStrike" baseline="0">
+              <a:rPr lang="en-US" sz="1000" b="0" i="0" u="none" strike="noStrike" baseline="0" dirty="0">
                 <a:solidFill>
                   <a:srgbClr val="7F7F7F"/>
                 </a:solidFill>
                 <a:latin typeface="Segoe UI" panose="020B0502040204020203" pitchFamily="34" charset="0"/>
               </a:rPr>
-              <a:t>July 2020   © </a:t>
-            </a:r>
-            <a:r>
-              <a:rPr lang="en-US" sz="1000" b="0" i="0" u="none" strike="noStrike" baseline="0" dirty="0">
-                <a:solidFill>
-                  <a:srgbClr val="7F7F7F"/>
-                </a:solidFill>
-                <a:latin typeface="Segoe UI" panose="020B0502040204020203" pitchFamily="34" charset="0"/>
-              </a:rPr>
-              <a:t>2020 Microsoft Corporation. All rights reserved.</a:t>
+              <a:t>July 2020   © 2020 Microsoft Corporation. All rights reserved.</a:t>
             </a:r>
             <a:endParaRPr lang="en-US" sz="1000" dirty="0"/>
           </a:p>
